--- a/business_document/アイディアとテーマ/アイディアとテーマ.pptx
+++ b/business_document/アイディアとテーマ/アイディアとテーマ.pptx
@@ -119,6 +119,11 @@
       </a:defRPr>
     </a:lvl9pPr>
   </p:defaultTextStyle>
+  <p:extLst>
+    <p:ext uri="{EFAFB233-063F-42B5-8137-9DF3F51BA10A}">
+      <p15:sldGuideLst xmlns:p15="http://schemas.microsoft.com/office/powerpoint/2012/main"/>
+    </p:ext>
+  </p:extLst>
 </p:presentation>
 </file>
 
@@ -204,7 +209,7 @@
           <a:p>
             <a:fld id="{67654857-CE34-4428-912A-655DE168E9ED}" type="datetimeFigureOut">
               <a:rPr kumimoji="1" lang="ja-JP" altLang="en-US" smtClean="0"/>
-              <a:t>2019/12/25</a:t>
+              <a:t>2020/2/11</a:t>
             </a:fld>
             <a:endParaRPr kumimoji="1" lang="ja-JP" altLang="en-US"/>
           </a:p>
@@ -671,7 +676,7 @@
           <a:p>
             <a:fld id="{D63A2E6A-5FC5-4BBF-B512-79BAB51844C3}" type="datetime1">
               <a:rPr kumimoji="1" lang="ja-JP" altLang="en-US" smtClean="0"/>
-              <a:t>2019/12/25</a:t>
+              <a:t>2020/2/11</a:t>
             </a:fld>
             <a:endParaRPr kumimoji="1" lang="ja-JP" altLang="en-US"/>
           </a:p>
@@ -931,7 +936,7 @@
           <a:p>
             <a:fld id="{FA7A1A79-B70C-42CD-A3D9-E3F0719BD2CE}" type="datetime1">
               <a:rPr kumimoji="1" lang="ja-JP" altLang="en-US" smtClean="0"/>
-              <a:t>2019/12/25</a:t>
+              <a:t>2020/2/11</a:t>
             </a:fld>
             <a:endParaRPr kumimoji="1" lang="ja-JP" altLang="en-US"/>
           </a:p>
@@ -1143,7 +1148,7 @@
           <a:p>
             <a:fld id="{4DC95E04-9435-4BF2-8A1A-9390310A13ED}" type="datetime1">
               <a:rPr kumimoji="1" lang="ja-JP" altLang="en-US" smtClean="0"/>
-              <a:t>2019/12/25</a:t>
+              <a:t>2020/2/11</a:t>
             </a:fld>
             <a:endParaRPr kumimoji="1" lang="ja-JP" altLang="en-US"/>
           </a:p>
@@ -1345,7 +1350,7 @@
           <a:p>
             <a:fld id="{1E0C760A-C360-4C11-AD5A-72CAFAA21EBD}" type="datetime1">
               <a:rPr kumimoji="1" lang="ja-JP" altLang="en-US" smtClean="0"/>
-              <a:t>2019/12/25</a:t>
+              <a:t>2020/2/11</a:t>
             </a:fld>
             <a:endParaRPr kumimoji="1" lang="ja-JP" altLang="en-US"/>
           </a:p>
@@ -1599,7 +1604,7 @@
           <a:p>
             <a:fld id="{2F7E52CB-2998-4AAB-8B89-5968B893A6FB}" type="datetime1">
               <a:rPr kumimoji="1" lang="ja-JP" altLang="en-US" smtClean="0"/>
-              <a:t>2019/12/25</a:t>
+              <a:t>2020/2/11</a:t>
             </a:fld>
             <a:endParaRPr kumimoji="1" lang="ja-JP" altLang="en-US"/>
           </a:p>
@@ -1989,7 +1994,7 @@
           <a:p>
             <a:fld id="{4AF78E59-4DC0-4430-B71D-D4B31C037FA4}" type="datetime1">
               <a:rPr kumimoji="1" lang="ja-JP" altLang="en-US" smtClean="0"/>
-              <a:t>2019/12/25</a:t>
+              <a:t>2020/2/11</a:t>
             </a:fld>
             <a:endParaRPr kumimoji="1" lang="ja-JP" altLang="en-US"/>
           </a:p>
@@ -2504,7 +2509,7 @@
           <a:p>
             <a:fld id="{CA6C3BE1-7882-45B9-B14A-AEC39E540986}" type="datetime1">
               <a:rPr kumimoji="1" lang="ja-JP" altLang="en-US" smtClean="0"/>
-              <a:t>2019/12/25</a:t>
+              <a:t>2020/2/11</a:t>
             </a:fld>
             <a:endParaRPr kumimoji="1" lang="ja-JP" altLang="en-US"/>
           </a:p>
@@ -2622,7 +2627,7 @@
           <a:p>
             <a:fld id="{16D82D61-FFB7-412C-AE8A-69EC44C601D8}" type="datetime1">
               <a:rPr kumimoji="1" lang="ja-JP" altLang="en-US" smtClean="0"/>
-              <a:t>2019/12/25</a:t>
+              <a:t>2020/2/11</a:t>
             </a:fld>
             <a:endParaRPr kumimoji="1" lang="ja-JP" altLang="en-US"/>
           </a:p>
@@ -2717,7 +2722,7 @@
           <a:p>
             <a:fld id="{101F0FD9-4AE4-4D2B-BF53-64023774F131}" type="datetime1">
               <a:rPr kumimoji="1" lang="ja-JP" altLang="en-US" smtClean="0"/>
-              <a:t>2019/12/25</a:t>
+              <a:t>2020/2/11</a:t>
             </a:fld>
             <a:endParaRPr kumimoji="1" lang="ja-JP" altLang="en-US"/>
           </a:p>
@@ -3036,7 +3041,7 @@
           <a:p>
             <a:fld id="{84040370-1A39-4C26-BF78-CD55F69AE624}" type="datetime1">
               <a:rPr kumimoji="1" lang="ja-JP" altLang="en-US" smtClean="0"/>
-              <a:t>2019/12/25</a:t>
+              <a:t>2020/2/11</a:t>
             </a:fld>
             <a:endParaRPr kumimoji="1" lang="ja-JP" altLang="en-US"/>
           </a:p>
@@ -3358,7 +3363,7 @@
           <a:p>
             <a:fld id="{9C23755E-6F7A-4DE2-8A3B-E07272AC3FCC}" type="datetime1">
               <a:rPr kumimoji="1" lang="ja-JP" altLang="en-US" smtClean="0"/>
-              <a:t>2019/12/25</a:t>
+              <a:t>2020/2/11</a:t>
             </a:fld>
             <a:endParaRPr kumimoji="1" lang="ja-JP" altLang="en-US"/>
           </a:p>
@@ -3644,7 +3649,7 @@
           <a:p>
             <a:fld id="{DA8E301B-2F0F-41F6-942F-A0931450DFE5}" type="datetime1">
               <a:rPr kumimoji="1" lang="ja-JP" altLang="en-US" smtClean="0"/>
-              <a:t>2019/12/25</a:t>
+              <a:t>2020/2/11</a:t>
             </a:fld>
             <a:endParaRPr kumimoji="1" lang="ja-JP" altLang="en-US"/>
           </a:p>
@@ -4607,7 +4612,7 @@
                   <a:srgbClr val="FF0000"/>
                 </a:solidFill>
               </a:rPr>
-              <a:t>ユーザー・会社双方の手間の最小化</a:t>
+              <a:t>ユーザー・会社 双方の手間の最小化</a:t>
             </a:r>
             <a:endParaRPr kumimoji="1" lang="en-US" altLang="ja-JP" sz="2800" dirty="0">
               <a:solidFill>
